--- a/ddd/关于DDD和微服务的分享内容.pptx
+++ b/ddd/关于DDD和微服务的分享内容.pptx
@@ -5,7 +5,7 @@
     <p:sldMasterId id="2147483648" r:id="rId1"/>
   </p:sldMasterIdLst>
   <p:notesMasterIdLst>
-    <p:notesMasterId r:id="rId34"/>
+    <p:notesMasterId r:id="rId35"/>
   </p:notesMasterIdLst>
   <p:sldIdLst>
     <p:sldId id="256" r:id="rId2"/>
@@ -40,6 +40,7 @@
     <p:sldId id="286" r:id="rId31"/>
     <p:sldId id="287" r:id="rId32"/>
     <p:sldId id="288" r:id="rId33"/>
+    <p:sldId id="289" r:id="rId34"/>
   </p:sldIdLst>
   <p:sldSz cx="12192000" cy="6858000"/>
   <p:notesSz cx="6858000" cy="9144000"/>
@@ -138,6 +139,11 @@
       </a:defRPr>
     </a:lvl9pPr>
   </p:defaultTextStyle>
+  <p:extLst>
+    <p:ext uri="{EFAFB233-063F-42B5-8137-9DF3F51BA10A}">
+      <p15:sldGuideLst xmlns:p15="http://schemas.microsoft.com/office/powerpoint/2012/main"/>
+    </p:ext>
+  </p:extLst>
 </p:presentation>
 </file>
 
@@ -223,7 +229,7 @@
           <a:p>
             <a:fld id="{85F00071-2526-49AD-9229-64AA29897483}" type="datetimeFigureOut">
               <a:rPr lang="zh-CN" altLang="en-US" smtClean="0"/>
-              <a:t>2022/8/21</a:t>
+              <a:t>2022/9/28</a:t>
             </a:fld>
             <a:endParaRPr lang="zh-CN" altLang="en-US"/>
           </a:p>
@@ -1042,7 +1048,7 @@
           <a:p>
             <a:fld id="{95311ABE-F902-4BF6-B44F-D073315DA4D8}" type="datetimeFigureOut">
               <a:rPr lang="zh-CN" altLang="en-US" smtClean="0"/>
-              <a:t>2022/8/21</a:t>
+              <a:t>2022/9/28</a:t>
             </a:fld>
             <a:endParaRPr lang="zh-CN" altLang="en-US"/>
           </a:p>
@@ -1212,7 +1218,7 @@
           <a:p>
             <a:fld id="{95311ABE-F902-4BF6-B44F-D073315DA4D8}" type="datetimeFigureOut">
               <a:rPr lang="zh-CN" altLang="en-US" smtClean="0"/>
-              <a:t>2022/8/21</a:t>
+              <a:t>2022/9/28</a:t>
             </a:fld>
             <a:endParaRPr lang="zh-CN" altLang="en-US"/>
           </a:p>
@@ -1392,7 +1398,7 @@
           <a:p>
             <a:fld id="{95311ABE-F902-4BF6-B44F-D073315DA4D8}" type="datetimeFigureOut">
               <a:rPr lang="zh-CN" altLang="en-US" smtClean="0"/>
-              <a:t>2022/8/21</a:t>
+              <a:t>2022/9/28</a:t>
             </a:fld>
             <a:endParaRPr lang="zh-CN" altLang="en-US"/>
           </a:p>
@@ -1562,7 +1568,7 @@
           <a:p>
             <a:fld id="{95311ABE-F902-4BF6-B44F-D073315DA4D8}" type="datetimeFigureOut">
               <a:rPr lang="zh-CN" altLang="en-US" smtClean="0"/>
-              <a:t>2022/8/21</a:t>
+              <a:t>2022/9/28</a:t>
             </a:fld>
             <a:endParaRPr lang="zh-CN" altLang="en-US"/>
           </a:p>
@@ -1808,7 +1814,7 @@
           <a:p>
             <a:fld id="{95311ABE-F902-4BF6-B44F-D073315DA4D8}" type="datetimeFigureOut">
               <a:rPr lang="zh-CN" altLang="en-US" smtClean="0"/>
-              <a:t>2022/8/21</a:t>
+              <a:t>2022/9/28</a:t>
             </a:fld>
             <a:endParaRPr lang="zh-CN" altLang="en-US"/>
           </a:p>
@@ -2040,7 +2046,7 @@
           <a:p>
             <a:fld id="{95311ABE-F902-4BF6-B44F-D073315DA4D8}" type="datetimeFigureOut">
               <a:rPr lang="zh-CN" altLang="en-US" smtClean="0"/>
-              <a:t>2022/8/21</a:t>
+              <a:t>2022/9/28</a:t>
             </a:fld>
             <a:endParaRPr lang="zh-CN" altLang="en-US"/>
           </a:p>
@@ -2407,7 +2413,7 @@
           <a:p>
             <a:fld id="{95311ABE-F902-4BF6-B44F-D073315DA4D8}" type="datetimeFigureOut">
               <a:rPr lang="zh-CN" altLang="en-US" smtClean="0"/>
-              <a:t>2022/8/21</a:t>
+              <a:t>2022/9/28</a:t>
             </a:fld>
             <a:endParaRPr lang="zh-CN" altLang="en-US"/>
           </a:p>
@@ -2525,7 +2531,7 @@
           <a:p>
             <a:fld id="{95311ABE-F902-4BF6-B44F-D073315DA4D8}" type="datetimeFigureOut">
               <a:rPr lang="zh-CN" altLang="en-US" smtClean="0"/>
-              <a:t>2022/8/21</a:t>
+              <a:t>2022/9/28</a:t>
             </a:fld>
             <a:endParaRPr lang="zh-CN" altLang="en-US"/>
           </a:p>
@@ -2620,7 +2626,7 @@
           <a:p>
             <a:fld id="{95311ABE-F902-4BF6-B44F-D073315DA4D8}" type="datetimeFigureOut">
               <a:rPr lang="zh-CN" altLang="en-US" smtClean="0"/>
-              <a:t>2022/8/21</a:t>
+              <a:t>2022/9/28</a:t>
             </a:fld>
             <a:endParaRPr lang="zh-CN" altLang="en-US"/>
           </a:p>
@@ -2897,7 +2903,7 @@
           <a:p>
             <a:fld id="{95311ABE-F902-4BF6-B44F-D073315DA4D8}" type="datetimeFigureOut">
               <a:rPr lang="zh-CN" altLang="en-US" smtClean="0"/>
-              <a:t>2022/8/21</a:t>
+              <a:t>2022/9/28</a:t>
             </a:fld>
             <a:endParaRPr lang="zh-CN" altLang="en-US"/>
           </a:p>
@@ -3150,7 +3156,7 @@
           <a:p>
             <a:fld id="{95311ABE-F902-4BF6-B44F-D073315DA4D8}" type="datetimeFigureOut">
               <a:rPr lang="zh-CN" altLang="en-US" smtClean="0"/>
-              <a:t>2022/8/21</a:t>
+              <a:t>2022/9/28</a:t>
             </a:fld>
             <a:endParaRPr lang="zh-CN" altLang="en-US"/>
           </a:p>
@@ -3363,7 +3369,7 @@
           <a:p>
             <a:fld id="{95311ABE-F902-4BF6-B44F-D073315DA4D8}" type="datetimeFigureOut">
               <a:rPr lang="zh-CN" altLang="en-US" smtClean="0"/>
-              <a:t>2022/8/21</a:t>
+              <a:t>2022/9/28</a:t>
             </a:fld>
             <a:endParaRPr lang="zh-CN" altLang="en-US"/>
           </a:p>
@@ -8939,6 +8945,90 @@
       </p:par>
     </p:tnLst>
   </p:timing>
+</p:sld>
+</file>
+
+<file path=ppt/slides/slide33.xml><?xml version="1.0" encoding="utf-8"?>
+<p:sld xmlns:a="http://schemas.openxmlformats.org/drawingml/2006/main" xmlns:r="http://schemas.openxmlformats.org/officeDocument/2006/relationships" xmlns:p="http://schemas.openxmlformats.org/presentationml/2006/main">
+  <p:cSld>
+    <p:spTree>
+      <p:nvGrpSpPr>
+        <p:cNvPr id="1" name=""/>
+        <p:cNvGrpSpPr/>
+        <p:nvPr/>
+      </p:nvGrpSpPr>
+      <p:grpSpPr>
+        <a:xfrm>
+          <a:off x="0" y="0"/>
+          <a:ext cx="0" cy="0"/>
+          <a:chOff x="0" y="0"/>
+          <a:chExt cx="0" cy="0"/>
+        </a:xfrm>
+      </p:grpSpPr>
+      <p:sp>
+        <p:nvSpPr>
+          <p:cNvPr id="2" name="标题 1"/>
+          <p:cNvSpPr>
+            <a:spLocks noGrp="1"/>
+          </p:cNvSpPr>
+          <p:nvPr>
+            <p:ph type="title"/>
+          </p:nvPr>
+        </p:nvSpPr>
+        <p:spPr/>
+        <p:txBody>
+          <a:bodyPr>
+            <a:noAutofit/>
+          </a:bodyPr>
+          <a:lstStyle/>
+          <a:p>
+            <a:r>
+              <a:rPr lang="en-US" altLang="zh-CN" sz="2400" dirty="0"/>
+              <a:t>DDD</a:t>
+            </a:r>
+            <a:r>
+              <a:rPr lang="zh-CN" altLang="en-US" sz="2400" dirty="0"/>
+              <a:t>的核心诉求就是将业务架构映射到系统架构上，在响应业务变化调整业务架构时，也随之变化系统架构。而微服务追求业务层面的复用，设计出来的系统架构和业务一致；在技术架构上则系统模块之间充分解耦，可以自由地选择合适的技术架构，去中心化地治理技术和数据。</a:t>
+            </a:r>
+          </a:p>
+        </p:txBody>
+      </p:sp>
+      <p:pic>
+        <p:nvPicPr>
+          <p:cNvPr id="6" name="内容占位符 5"/>
+          <p:cNvPicPr>
+            <a:picLocks noGrp="1" noChangeAspect="1"/>
+          </p:cNvPicPr>
+          <p:nvPr>
+            <p:ph idx="1"/>
+          </p:nvPr>
+        </p:nvPicPr>
+        <p:blipFill>
+          <a:blip r:embed="rId2"/>
+          <a:stretch>
+            <a:fillRect/>
+          </a:stretch>
+        </p:blipFill>
+        <p:spPr>
+          <a:xfrm>
+            <a:off x="940164" y="1838325"/>
+            <a:ext cx="10311672" cy="4351338"/>
+          </a:xfrm>
+          <a:prstGeom prst="rect">
+            <a:avLst/>
+          </a:prstGeom>
+        </p:spPr>
+      </p:pic>
+    </p:spTree>
+    <p:extLst>
+      <p:ext uri="{BB962C8B-B14F-4D97-AF65-F5344CB8AC3E}">
+        <p14:creationId xmlns:p14="http://schemas.microsoft.com/office/powerpoint/2010/main" val="2798749734"/>
+      </p:ext>
+    </p:extLst>
+  </p:cSld>
+  <p:clrMapOvr>
+    <a:masterClrMapping/>
+  </p:clrMapOvr>
 </p:sld>
 </file>
 
